--- a/cryptography/3.signal/DoubleRatchet.pptx
+++ b/cryptography/3.signal/DoubleRatchet.pptx
@@ -249,7 +249,7 @@
           <a:p>
             <a:fld id="{506A97B7-651F-AC47-8A5F-E60C179B611C}" type="datetimeFigureOut">
               <a:rPr kumimoji="1" lang="zh-CN" altLang="en-US" smtClean="0"/>
-              <a:t>2019/12/2</a:t>
+              <a:t>2019/12/3</a:t>
             </a:fld>
             <a:endParaRPr kumimoji="1" lang="zh-CN" altLang="en-US"/>
           </a:p>
@@ -419,7 +419,7 @@
           <a:p>
             <a:fld id="{506A97B7-651F-AC47-8A5F-E60C179B611C}" type="datetimeFigureOut">
               <a:rPr kumimoji="1" lang="zh-CN" altLang="en-US" smtClean="0"/>
-              <a:t>2019/12/2</a:t>
+              <a:t>2019/12/3</a:t>
             </a:fld>
             <a:endParaRPr kumimoji="1" lang="zh-CN" altLang="en-US"/>
           </a:p>
@@ -599,7 +599,7 @@
           <a:p>
             <a:fld id="{506A97B7-651F-AC47-8A5F-E60C179B611C}" type="datetimeFigureOut">
               <a:rPr kumimoji="1" lang="zh-CN" altLang="en-US" smtClean="0"/>
-              <a:t>2019/12/2</a:t>
+              <a:t>2019/12/3</a:t>
             </a:fld>
             <a:endParaRPr kumimoji="1" lang="zh-CN" altLang="en-US"/>
           </a:p>
@@ -769,7 +769,7 @@
           <a:p>
             <a:fld id="{506A97B7-651F-AC47-8A5F-E60C179B611C}" type="datetimeFigureOut">
               <a:rPr kumimoji="1" lang="zh-CN" altLang="en-US" smtClean="0"/>
-              <a:t>2019/12/2</a:t>
+              <a:t>2019/12/3</a:t>
             </a:fld>
             <a:endParaRPr kumimoji="1" lang="zh-CN" altLang="en-US"/>
           </a:p>
@@ -1015,7 +1015,7 @@
           <a:p>
             <a:fld id="{506A97B7-651F-AC47-8A5F-E60C179B611C}" type="datetimeFigureOut">
               <a:rPr kumimoji="1" lang="zh-CN" altLang="en-US" smtClean="0"/>
-              <a:t>2019/12/2</a:t>
+              <a:t>2019/12/3</a:t>
             </a:fld>
             <a:endParaRPr kumimoji="1" lang="zh-CN" altLang="en-US"/>
           </a:p>
@@ -1247,7 +1247,7 @@
           <a:p>
             <a:fld id="{506A97B7-651F-AC47-8A5F-E60C179B611C}" type="datetimeFigureOut">
               <a:rPr kumimoji="1" lang="zh-CN" altLang="en-US" smtClean="0"/>
-              <a:t>2019/12/2</a:t>
+              <a:t>2019/12/3</a:t>
             </a:fld>
             <a:endParaRPr kumimoji="1" lang="zh-CN" altLang="en-US"/>
           </a:p>
@@ -1614,7 +1614,7 @@
           <a:p>
             <a:fld id="{506A97B7-651F-AC47-8A5F-E60C179B611C}" type="datetimeFigureOut">
               <a:rPr kumimoji="1" lang="zh-CN" altLang="en-US" smtClean="0"/>
-              <a:t>2019/12/2</a:t>
+              <a:t>2019/12/3</a:t>
             </a:fld>
             <a:endParaRPr kumimoji="1" lang="zh-CN" altLang="en-US"/>
           </a:p>
@@ -1732,7 +1732,7 @@
           <a:p>
             <a:fld id="{506A97B7-651F-AC47-8A5F-E60C179B611C}" type="datetimeFigureOut">
               <a:rPr kumimoji="1" lang="zh-CN" altLang="en-US" smtClean="0"/>
-              <a:t>2019/12/2</a:t>
+              <a:t>2019/12/3</a:t>
             </a:fld>
             <a:endParaRPr kumimoji="1" lang="zh-CN" altLang="en-US"/>
           </a:p>
@@ -1827,7 +1827,7 @@
           <a:p>
             <a:fld id="{506A97B7-651F-AC47-8A5F-E60C179B611C}" type="datetimeFigureOut">
               <a:rPr kumimoji="1" lang="zh-CN" altLang="en-US" smtClean="0"/>
-              <a:t>2019/12/2</a:t>
+              <a:t>2019/12/3</a:t>
             </a:fld>
             <a:endParaRPr kumimoji="1" lang="zh-CN" altLang="en-US"/>
           </a:p>
@@ -2104,7 +2104,7 @@
           <a:p>
             <a:fld id="{506A97B7-651F-AC47-8A5F-E60C179B611C}" type="datetimeFigureOut">
               <a:rPr kumimoji="1" lang="zh-CN" altLang="en-US" smtClean="0"/>
-              <a:t>2019/12/2</a:t>
+              <a:t>2019/12/3</a:t>
             </a:fld>
             <a:endParaRPr kumimoji="1" lang="zh-CN" altLang="en-US"/>
           </a:p>
@@ -2357,7 +2357,7 @@
           <a:p>
             <a:fld id="{506A97B7-651F-AC47-8A5F-E60C179B611C}" type="datetimeFigureOut">
               <a:rPr kumimoji="1" lang="zh-CN" altLang="en-US" smtClean="0"/>
-              <a:t>2019/12/2</a:t>
+              <a:t>2019/12/3</a:t>
             </a:fld>
             <a:endParaRPr kumimoji="1" lang="zh-CN" altLang="en-US"/>
           </a:p>
@@ -2570,7 +2570,7 @@
           <a:p>
             <a:fld id="{506A97B7-651F-AC47-8A5F-E60C179B611C}" type="datetimeFigureOut">
               <a:rPr kumimoji="1" lang="zh-CN" altLang="en-US" smtClean="0"/>
-              <a:t>2019/12/2</a:t>
+              <a:t>2019/12/3</a:t>
             </a:fld>
             <a:endParaRPr kumimoji="1" lang="zh-CN" altLang="en-US"/>
           </a:p>
@@ -6384,15 +6384,7 @@
                 <a:ea typeface="Microsoft YaHei" charset="-122"/>
                 <a:cs typeface="Microsoft YaHei" charset="-122"/>
               </a:rPr>
-              <a:t>Encrypt(Key1, </a:t>
-            </a:r>
-            <a:r>
-              <a:rPr kumimoji="1" lang="en-US" altLang="zh-CN" sz="1200" dirty="0" smtClean="0">
-                <a:latin typeface="Microsoft YaHei" charset="-122"/>
-                <a:ea typeface="Microsoft YaHei" charset="-122"/>
-                <a:cs typeface="Microsoft YaHei" charset="-122"/>
-              </a:rPr>
-              <a:t>message1)</a:t>
+              <a:t>Encrypt(Key1, message1)</a:t>
             </a:r>
             <a:endParaRPr lang="zh-CN" altLang="en-US" sz="1200" dirty="0">
               <a:latin typeface="Microsoft YaHei" charset="-122"/>
@@ -8088,15 +8080,7 @@
                 <a:ea typeface="Microsoft YaHei" charset="-122"/>
                 <a:cs typeface="Microsoft YaHei" charset="-122"/>
               </a:rPr>
-              <a:t>接收</a:t>
-            </a:r>
-            <a:r>
-              <a:rPr lang="zh-CN" altLang="en-US" sz="1200" dirty="0" smtClean="0">
-                <a:latin typeface="Microsoft YaHei" charset="-122"/>
-                <a:ea typeface="Microsoft YaHei" charset="-122"/>
-                <a:cs typeface="Microsoft YaHei" charset="-122"/>
-              </a:rPr>
-              <a:t>链</a:t>
+              <a:t>接收链</a:t>
             </a:r>
             <a:endParaRPr lang="zh-CN" altLang="en-US" sz="1200" dirty="0">
               <a:latin typeface="Microsoft YaHei" charset="-122"/>
@@ -9090,15 +9074,7 @@
                 <a:ea typeface="Microsoft YaHei" charset="-122"/>
                 <a:cs typeface="Microsoft YaHei" charset="-122"/>
               </a:rPr>
-              <a:t>Encrypt(Key1, </a:t>
-            </a:r>
-            <a:r>
-              <a:rPr kumimoji="1" lang="en-US" altLang="zh-CN" sz="1200" dirty="0" smtClean="0">
-                <a:latin typeface="Microsoft YaHei" charset="-122"/>
-                <a:ea typeface="Microsoft YaHei" charset="-122"/>
-                <a:cs typeface="Microsoft YaHei" charset="-122"/>
-              </a:rPr>
-              <a:t>message1)</a:t>
+              <a:t>Encrypt(Key1, message1)</a:t>
             </a:r>
             <a:endParaRPr lang="zh-CN" altLang="en-US" sz="1200" dirty="0">
               <a:latin typeface="Microsoft YaHei" charset="-122"/>
@@ -10021,15 +9997,7 @@
                 <a:ea typeface="Microsoft YaHei" charset="-122"/>
                 <a:cs typeface="Microsoft YaHei" charset="-122"/>
               </a:rPr>
-              <a:t>接收</a:t>
-            </a:r>
-            <a:r>
-              <a:rPr lang="zh-CN" altLang="en-US" sz="1200" dirty="0" smtClean="0">
-                <a:latin typeface="Microsoft YaHei" charset="-122"/>
-                <a:ea typeface="Microsoft YaHei" charset="-122"/>
-                <a:cs typeface="Microsoft YaHei" charset="-122"/>
-              </a:rPr>
-              <a:t>链</a:t>
+              <a:t>接收链</a:t>
             </a:r>
             <a:endParaRPr lang="zh-CN" altLang="en-US" sz="1200" dirty="0">
               <a:latin typeface="Microsoft YaHei" charset="-122"/>
@@ -12562,15 +12530,7 @@
                 <a:ea typeface="Microsoft YaHei" charset="-122"/>
                 <a:cs typeface="Microsoft YaHei" charset="-122"/>
               </a:rPr>
-              <a:t>Encrypt(Key1, </a:t>
-            </a:r>
-            <a:r>
-              <a:rPr kumimoji="1" lang="en-US" altLang="zh-CN" sz="1200" dirty="0" smtClean="0">
-                <a:latin typeface="Microsoft YaHei" charset="-122"/>
-                <a:ea typeface="Microsoft YaHei" charset="-122"/>
-                <a:cs typeface="Microsoft YaHei" charset="-122"/>
-              </a:rPr>
-              <a:t>message)</a:t>
+              <a:t>Encrypt(Key1, message)</a:t>
             </a:r>
             <a:endParaRPr lang="zh-CN" altLang="en-US" sz="1200" dirty="0">
               <a:latin typeface="Microsoft YaHei" charset="-122"/>
@@ -12655,15 +12615,7 @@
                 <a:ea typeface="Microsoft YaHei" charset="-122"/>
                 <a:cs typeface="Microsoft YaHei" charset="-122"/>
               </a:rPr>
-              <a:t>接收</a:t>
-            </a:r>
-            <a:r>
-              <a:rPr lang="zh-CN" altLang="en-US" sz="1200" dirty="0" smtClean="0">
-                <a:latin typeface="Microsoft YaHei" charset="-122"/>
-                <a:ea typeface="Microsoft YaHei" charset="-122"/>
-                <a:cs typeface="Microsoft YaHei" charset="-122"/>
-              </a:rPr>
-              <a:t>链</a:t>
+              <a:t>接收链</a:t>
             </a:r>
             <a:endParaRPr lang="zh-CN" altLang="en-US" sz="1200" dirty="0">
               <a:latin typeface="Microsoft YaHei" charset="-122"/>
@@ -15219,15 +15171,7 @@
                 <a:ea typeface="Microsoft YaHei" charset="-122"/>
                 <a:cs typeface="Microsoft YaHei" charset="-122"/>
               </a:rPr>
-              <a:t>接收</a:t>
-            </a:r>
-            <a:r>
-              <a:rPr lang="zh-CN" altLang="en-US" sz="1200" dirty="0" smtClean="0">
-                <a:latin typeface="Microsoft YaHei" charset="-122"/>
-                <a:ea typeface="Microsoft YaHei" charset="-122"/>
-                <a:cs typeface="Microsoft YaHei" charset="-122"/>
-              </a:rPr>
-              <a:t>链</a:t>
+              <a:t>接收链</a:t>
             </a:r>
             <a:endParaRPr lang="zh-CN" altLang="en-US" sz="1200" dirty="0">
               <a:latin typeface="Microsoft YaHei" charset="-122"/>
